--- a/Java Course.pptx
+++ b/Java Course.pptx
@@ -305,7 +305,7 @@
             <a:fld id="{E8F965D9-2D0D-450C-B875-BE0C08FDA829}" type="datetimeFigureOut">
               <a:rPr lang="en-US" smtClean="0"/>
               <a:pPr/>
-              <a:t>5/6/2022</a:t>
+              <a:t>7/10/2022</a:t>
             </a:fld>
             <a:endParaRPr lang="en-US"/>
           </a:p>
@@ -472,7 +472,7 @@
             <a:fld id="{E8F965D9-2D0D-450C-B875-BE0C08FDA829}" type="datetimeFigureOut">
               <a:rPr lang="en-US" smtClean="0"/>
               <a:pPr/>
-              <a:t>5/6/2022</a:t>
+              <a:t>7/10/2022</a:t>
             </a:fld>
             <a:endParaRPr lang="en-US"/>
           </a:p>
@@ -649,7 +649,7 @@
             <a:fld id="{E8F965D9-2D0D-450C-B875-BE0C08FDA829}" type="datetimeFigureOut">
               <a:rPr lang="en-US" smtClean="0"/>
               <a:pPr/>
-              <a:t>5/6/2022</a:t>
+              <a:t>7/10/2022</a:t>
             </a:fld>
             <a:endParaRPr lang="en-US"/>
           </a:p>
@@ -816,7 +816,7 @@
             <a:fld id="{E8F965D9-2D0D-450C-B875-BE0C08FDA829}" type="datetimeFigureOut">
               <a:rPr lang="en-US" smtClean="0"/>
               <a:pPr/>
-              <a:t>5/6/2022</a:t>
+              <a:t>7/10/2022</a:t>
             </a:fld>
             <a:endParaRPr lang="en-US"/>
           </a:p>
@@ -1059,7 +1059,7 @@
             <a:fld id="{E8F965D9-2D0D-450C-B875-BE0C08FDA829}" type="datetimeFigureOut">
               <a:rPr lang="en-US" smtClean="0"/>
               <a:pPr/>
-              <a:t>5/6/2022</a:t>
+              <a:t>7/10/2022</a:t>
             </a:fld>
             <a:endParaRPr lang="en-US"/>
           </a:p>
@@ -1344,7 +1344,7 @@
             <a:fld id="{E8F965D9-2D0D-450C-B875-BE0C08FDA829}" type="datetimeFigureOut">
               <a:rPr lang="en-US" smtClean="0"/>
               <a:pPr/>
-              <a:t>5/6/2022</a:t>
+              <a:t>7/10/2022</a:t>
             </a:fld>
             <a:endParaRPr lang="en-US"/>
           </a:p>
@@ -1763,7 +1763,7 @@
             <a:fld id="{E8F965D9-2D0D-450C-B875-BE0C08FDA829}" type="datetimeFigureOut">
               <a:rPr lang="en-US" smtClean="0"/>
               <a:pPr/>
-              <a:t>5/6/2022</a:t>
+              <a:t>7/10/2022</a:t>
             </a:fld>
             <a:endParaRPr lang="en-US"/>
           </a:p>
@@ -1878,7 +1878,7 @@
             <a:fld id="{E8F965D9-2D0D-450C-B875-BE0C08FDA829}" type="datetimeFigureOut">
               <a:rPr lang="en-US" smtClean="0"/>
               <a:pPr/>
-              <a:t>5/6/2022</a:t>
+              <a:t>7/10/2022</a:t>
             </a:fld>
             <a:endParaRPr lang="en-US"/>
           </a:p>
@@ -1970,7 +1970,7 @@
             <a:fld id="{E8F965D9-2D0D-450C-B875-BE0C08FDA829}" type="datetimeFigureOut">
               <a:rPr lang="en-US" smtClean="0"/>
               <a:pPr/>
-              <a:t>5/6/2022</a:t>
+              <a:t>7/10/2022</a:t>
             </a:fld>
             <a:endParaRPr lang="en-US"/>
           </a:p>
@@ -2244,7 +2244,7 @@
             <a:fld id="{E8F965D9-2D0D-450C-B875-BE0C08FDA829}" type="datetimeFigureOut">
               <a:rPr lang="en-US" smtClean="0"/>
               <a:pPr/>
-              <a:t>5/6/2022</a:t>
+              <a:t>7/10/2022</a:t>
             </a:fld>
             <a:endParaRPr lang="en-US"/>
           </a:p>
@@ -2494,7 +2494,7 @@
             <a:fld id="{E8F965D9-2D0D-450C-B875-BE0C08FDA829}" type="datetimeFigureOut">
               <a:rPr lang="en-US" smtClean="0"/>
               <a:pPr/>
-              <a:t>5/6/2022</a:t>
+              <a:t>7/10/2022</a:t>
             </a:fld>
             <a:endParaRPr lang="en-US"/>
           </a:p>
@@ -2704,7 +2704,7 @@
             <a:fld id="{E8F965D9-2D0D-450C-B875-BE0C08FDA829}" type="datetimeFigureOut">
               <a:rPr lang="en-US" smtClean="0"/>
               <a:pPr/>
-              <a:t>5/6/2022</a:t>
+              <a:t>7/10/2022</a:t>
             </a:fld>
             <a:endParaRPr lang="en-US"/>
           </a:p>
@@ -3762,9 +3762,23 @@
           </a:bodyPr>
           <a:lstStyle/>
           <a:p>
+            <a:endParaRPr lang="en-US" dirty="0" smtClean="0"/>
+          </a:p>
+          <a:p>
+            <a:r>
+              <a:rPr lang="en-US" smtClean="0"/>
+              <a:t>Install JDK 1.8 ,1.17</a:t>
+            </a:r>
+            <a:endParaRPr lang="en-US" smtClean="0"/>
+          </a:p>
+          <a:p>
             <a:r>
               <a:rPr lang="en-US" dirty="0" smtClean="0"/>
-              <a:t>Install Eclipse IDE Corresponding to Java 8 Version</a:t>
+              <a:t>Install </a:t>
+            </a:r>
+            <a:r>
+              <a:rPr lang="en-US" dirty="0" smtClean="0"/>
+              <a:t>Eclipse IDE Corresponding to Java 8 Version</a:t>
             </a:r>
           </a:p>
           <a:p>
@@ -3772,7 +3786,6 @@
               <a:rPr lang="en-US" dirty="0" smtClean="0"/>
               <a:t>https://www.eclipse.org/downloads/packages/release/neon/3/eclipse-ide-java-ee-developers</a:t>
             </a:r>
-            <a:endParaRPr lang="en-US" dirty="0" smtClean="0"/>
           </a:p>
           <a:p>
             <a:r>
@@ -3783,7 +3796,6 @@
               <a:rPr lang="en-US" dirty="0" smtClean="0"/>
               <a:t>-https://git-scm.com/</a:t>
             </a:r>
-            <a:endParaRPr lang="en-US" dirty="0" smtClean="0"/>
           </a:p>
           <a:p>
             <a:r>
@@ -3798,7 +3810,6 @@
               <a:rPr lang="en-US" dirty="0" smtClean="0"/>
               <a:t> -https://tortoisegit.org/download/</a:t>
             </a:r>
-            <a:endParaRPr lang="en-US" dirty="0" smtClean="0"/>
           </a:p>
           <a:p>
             <a:r>
@@ -3814,10 +3825,9 @@
               <a:t>git</a:t>
             </a:r>
             <a:r>
-              <a:rPr lang="en-US" smtClean="0"/>
+              <a:rPr lang="en-US" dirty="0" smtClean="0"/>
               <a:t>-&gt; https://github.com/</a:t>
             </a:r>
-            <a:endParaRPr lang="en-US" dirty="0" smtClean="0"/>
           </a:p>
           <a:p>
             <a:pPr>

--- a/Java Course.pptx
+++ b/Java Course.pptx
@@ -3128,6 +3128,13 @@
   <p:clrMapOvr>
     <a:masterClrMapping/>
   </p:clrMapOvr>
+  <p:timing>
+    <p:tnLst>
+      <p:par>
+        <p:cTn id="1" dur="indefinite" restart="never" nodeType="tmRoot"/>
+      </p:par>
+    </p:tnLst>
+  </p:timing>
 </p:sld>
 </file>
 
@@ -3221,6 +3228,13 @@
   <p:clrMapOvr>
     <a:masterClrMapping/>
   </p:clrMapOvr>
+  <p:timing>
+    <p:tnLst>
+      <p:par>
+        <p:cTn id="1" dur="indefinite" restart="never" nodeType="tmRoot"/>
+      </p:par>
+    </p:tnLst>
+  </p:timing>
 </p:sld>
 </file>
 
@@ -3292,6 +3306,13 @@
   <p:clrMapOvr>
     <a:masterClrMapping/>
   </p:clrMapOvr>
+  <p:timing>
+    <p:tnLst>
+      <p:par>
+        <p:cTn id="1" dur="indefinite" restart="never" nodeType="tmRoot"/>
+      </p:par>
+    </p:tnLst>
+  </p:timing>
 </p:sld>
 </file>
 
@@ -3375,6 +3396,13 @@
   <p:clrMapOvr>
     <a:masterClrMapping/>
   </p:clrMapOvr>
+  <p:timing>
+    <p:tnLst>
+      <p:par>
+        <p:cTn id="1" dur="indefinite" restart="never" nodeType="tmRoot"/>
+      </p:par>
+    </p:tnLst>
+  </p:timing>
 </p:sld>
 </file>
 
@@ -3485,6 +3513,13 @@
   <p:clrMapOvr>
     <a:masterClrMapping/>
   </p:clrMapOvr>
+  <p:timing>
+    <p:tnLst>
+      <p:par>
+        <p:cTn id="1" dur="indefinite" restart="never" nodeType="tmRoot"/>
+      </p:par>
+    </p:tnLst>
+  </p:timing>
 </p:sld>
 </file>
 
@@ -3564,6 +3599,13 @@
   <p:clrMapOvr>
     <a:masterClrMapping/>
   </p:clrMapOvr>
+  <p:timing>
+    <p:tnLst>
+      <p:par>
+        <p:cTn id="1" dur="indefinite" restart="never" nodeType="tmRoot"/>
+      </p:par>
+    </p:tnLst>
+  </p:timing>
 </p:sld>
 </file>
 
@@ -3635,6 +3677,13 @@
   <p:clrMapOvr>
     <a:masterClrMapping/>
   </p:clrMapOvr>
+  <p:timing>
+    <p:tnLst>
+      <p:par>
+        <p:cTn id="1" dur="indefinite" restart="never" nodeType="tmRoot"/>
+      </p:par>
+    </p:tnLst>
+  </p:timing>
 </p:sld>
 </file>
 
@@ -3706,6 +3755,13 @@
   <p:clrMapOvr>
     <a:masterClrMapping/>
   </p:clrMapOvr>
+  <p:timing>
+    <p:tnLst>
+      <p:par>
+        <p:cTn id="1" dur="indefinite" restart="never" nodeType="tmRoot"/>
+      </p:par>
+    </p:tnLst>
+  </p:timing>
 </p:sld>
 </file>
 
@@ -3766,10 +3822,10 @@
           </a:p>
           <a:p>
             <a:r>
-              <a:rPr lang="en-US" smtClean="0"/>
+              <a:rPr lang="en-US" dirty="0" smtClean="0"/>
               <a:t>Install JDK 1.8 ,1.17</a:t>
             </a:r>
-            <a:endParaRPr lang="en-US" smtClean="0"/>
+            <a:endParaRPr lang="en-US" dirty="0" smtClean="0"/>
           </a:p>
           <a:p>
             <a:r>
@@ -3842,6 +3898,13 @@
   <p:clrMapOvr>
     <a:masterClrMapping/>
   </p:clrMapOvr>
+  <p:timing>
+    <p:tnLst>
+      <p:par>
+        <p:cTn id="1" dur="indefinite" restart="never" nodeType="tmRoot"/>
+      </p:par>
+    </p:tnLst>
+  </p:timing>
 </p:sld>
 </file>
 
@@ -3920,6 +3983,13 @@
   <p:clrMapOvr>
     <a:masterClrMapping/>
   </p:clrMapOvr>
+  <p:timing>
+    <p:tnLst>
+      <p:par>
+        <p:cTn id="1" dur="indefinite" restart="never" nodeType="tmRoot"/>
+      </p:par>
+    </p:tnLst>
+  </p:timing>
 </p:sld>
 </file>
 
@@ -3999,6 +4069,13 @@
   <p:clrMapOvr>
     <a:masterClrMapping/>
   </p:clrMapOvr>
+  <p:timing>
+    <p:tnLst>
+      <p:par>
+        <p:cTn id="1" dur="indefinite" restart="never" nodeType="tmRoot"/>
+      </p:par>
+    </p:tnLst>
+  </p:timing>
 </p:sld>
 </file>
 
@@ -4087,6 +4164,13 @@
   <p:clrMapOvr>
     <a:masterClrMapping/>
   </p:clrMapOvr>
+  <p:timing>
+    <p:tnLst>
+      <p:par>
+        <p:cTn id="1" dur="indefinite" restart="never" nodeType="tmRoot"/>
+      </p:par>
+    </p:tnLst>
+  </p:timing>
 </p:sld>
 </file>
 
@@ -4182,6 +4266,13 @@
   <p:clrMapOvr>
     <a:masterClrMapping/>
   </p:clrMapOvr>
+  <p:timing>
+    <p:tnLst>
+      <p:par>
+        <p:cTn id="1" dur="indefinite" restart="never" nodeType="tmRoot"/>
+      </p:par>
+    </p:tnLst>
+  </p:timing>
 </p:sld>
 </file>
 
@@ -4273,6 +4364,13 @@
   <p:clrMapOvr>
     <a:masterClrMapping/>
   </p:clrMapOvr>
+  <p:timing>
+    <p:tnLst>
+      <p:par>
+        <p:cTn id="1" dur="indefinite" restart="never" nodeType="tmRoot"/>
+      </p:par>
+    </p:tnLst>
+  </p:timing>
 </p:sld>
 </file>
 
@@ -4339,6 +4437,13 @@
   <p:clrMapOvr>
     <a:masterClrMapping/>
   </p:clrMapOvr>
+  <p:timing>
+    <p:tnLst>
+      <p:par>
+        <p:cTn id="1" dur="indefinite" restart="never" nodeType="tmRoot"/>
+      </p:par>
+    </p:tnLst>
+  </p:timing>
 </p:sld>
 </file>
 
@@ -4428,6 +4533,13 @@
   <p:clrMapOvr>
     <a:masterClrMapping/>
   </p:clrMapOvr>
+  <p:timing>
+    <p:tnLst>
+      <p:par>
+        <p:cTn id="1" dur="indefinite" restart="never" nodeType="tmRoot"/>
+      </p:par>
+    </p:tnLst>
+  </p:timing>
 </p:sld>
 </file>
 
@@ -4575,6 +4687,13 @@
   <p:clrMapOvr>
     <a:masterClrMapping/>
   </p:clrMapOvr>
+  <p:timing>
+    <p:tnLst>
+      <p:par>
+        <p:cTn id="1" dur="indefinite" restart="never" nodeType="tmRoot"/>
+      </p:par>
+    </p:tnLst>
+  </p:timing>
 </p:sld>
 </file>
 
